--- a/Chapitre_03_IA_RNN/Cours/images/Figures.pptx
+++ b/Chapitre_03_IA_RNN/Cours/images/Figures.pptx
@@ -229,7 +229,7 @@
           <a:p>
             <a:fld id="{396B03FB-B087-4631-8B5B-A1A0D1F293BE}" type="datetimeFigureOut">
               <a:rPr lang="fr-FR" smtClean="0"/>
-              <a:t>06/07/2021</a:t>
+              <a:t>27/03/2023</a:t>
             </a:fld>
             <a:endParaRPr lang="fr-FR"/>
           </a:p>
@@ -811,7 +811,7 @@
           <a:p>
             <a:fld id="{B0AE2BB1-655E-4F57-ABA8-388245A7D361}" type="datetimeFigureOut">
               <a:rPr lang="fr-FR" smtClean="0"/>
-              <a:t>06/07/2021</a:t>
+              <a:t>27/03/2023</a:t>
             </a:fld>
             <a:endParaRPr lang="fr-FR"/>
           </a:p>
@@ -1009,7 +1009,7 @@
           <a:p>
             <a:fld id="{B0AE2BB1-655E-4F57-ABA8-388245A7D361}" type="datetimeFigureOut">
               <a:rPr lang="fr-FR" smtClean="0"/>
-              <a:t>06/07/2021</a:t>
+              <a:t>27/03/2023</a:t>
             </a:fld>
             <a:endParaRPr lang="fr-FR"/>
           </a:p>
@@ -1217,7 +1217,7 @@
           <a:p>
             <a:fld id="{B0AE2BB1-655E-4F57-ABA8-388245A7D361}" type="datetimeFigureOut">
               <a:rPr lang="fr-FR" smtClean="0"/>
-              <a:t>06/07/2021</a:t>
+              <a:t>27/03/2023</a:t>
             </a:fld>
             <a:endParaRPr lang="fr-FR"/>
           </a:p>
@@ -1415,7 +1415,7 @@
           <a:p>
             <a:fld id="{B0AE2BB1-655E-4F57-ABA8-388245A7D361}" type="datetimeFigureOut">
               <a:rPr lang="fr-FR" smtClean="0"/>
-              <a:t>06/07/2021</a:t>
+              <a:t>27/03/2023</a:t>
             </a:fld>
             <a:endParaRPr lang="fr-FR"/>
           </a:p>
@@ -1690,7 +1690,7 @@
           <a:p>
             <a:fld id="{B0AE2BB1-655E-4F57-ABA8-388245A7D361}" type="datetimeFigureOut">
               <a:rPr lang="fr-FR" smtClean="0"/>
-              <a:t>06/07/2021</a:t>
+              <a:t>27/03/2023</a:t>
             </a:fld>
             <a:endParaRPr lang="fr-FR"/>
           </a:p>
@@ -1955,7 +1955,7 @@
           <a:p>
             <a:fld id="{B0AE2BB1-655E-4F57-ABA8-388245A7D361}" type="datetimeFigureOut">
               <a:rPr lang="fr-FR" smtClean="0"/>
-              <a:t>06/07/2021</a:t>
+              <a:t>27/03/2023</a:t>
             </a:fld>
             <a:endParaRPr lang="fr-FR"/>
           </a:p>
@@ -2367,7 +2367,7 @@
           <a:p>
             <a:fld id="{B0AE2BB1-655E-4F57-ABA8-388245A7D361}" type="datetimeFigureOut">
               <a:rPr lang="fr-FR" smtClean="0"/>
-              <a:t>06/07/2021</a:t>
+              <a:t>27/03/2023</a:t>
             </a:fld>
             <a:endParaRPr lang="fr-FR"/>
           </a:p>
@@ -2508,7 +2508,7 @@
           <a:p>
             <a:fld id="{B0AE2BB1-655E-4F57-ABA8-388245A7D361}" type="datetimeFigureOut">
               <a:rPr lang="fr-FR" smtClean="0"/>
-              <a:t>06/07/2021</a:t>
+              <a:t>27/03/2023</a:t>
             </a:fld>
             <a:endParaRPr lang="fr-FR"/>
           </a:p>
@@ -2621,7 +2621,7 @@
           <a:p>
             <a:fld id="{B0AE2BB1-655E-4F57-ABA8-388245A7D361}" type="datetimeFigureOut">
               <a:rPr lang="fr-FR" smtClean="0"/>
-              <a:t>06/07/2021</a:t>
+              <a:t>27/03/2023</a:t>
             </a:fld>
             <a:endParaRPr lang="fr-FR"/>
           </a:p>
@@ -2932,7 +2932,7 @@
           <a:p>
             <a:fld id="{B0AE2BB1-655E-4F57-ABA8-388245A7D361}" type="datetimeFigureOut">
               <a:rPr lang="fr-FR" smtClean="0"/>
-              <a:t>06/07/2021</a:t>
+              <a:t>27/03/2023</a:t>
             </a:fld>
             <a:endParaRPr lang="fr-FR"/>
           </a:p>
@@ -3220,7 +3220,7 @@
           <a:p>
             <a:fld id="{B0AE2BB1-655E-4F57-ABA8-388245A7D361}" type="datetimeFigureOut">
               <a:rPr lang="fr-FR" smtClean="0"/>
-              <a:t>06/07/2021</a:t>
+              <a:t>27/03/2023</a:t>
             </a:fld>
             <a:endParaRPr lang="fr-FR"/>
           </a:p>
@@ -3461,7 +3461,7 @@
           <a:p>
             <a:fld id="{B0AE2BB1-655E-4F57-ABA8-388245A7D361}" type="datetimeFigureOut">
               <a:rPr lang="fr-FR" smtClean="0"/>
-              <a:t>06/07/2021</a:t>
+              <a:t>27/03/2023</a:t>
             </a:fld>
             <a:endParaRPr lang="fr-FR"/>
           </a:p>
@@ -20705,10 +20705,9 @@
           </a:bodyPr>
           <a:lstStyle/>
           <a:p>
-            <a:pPr/>
             <a:r>
               <a:rPr lang="fr-FR" sz="900" dirty="0"/>
-              <a:t>Jeu d’entrainement</a:t>
+              <a:t>Jeu de validation</a:t>
             </a:r>
           </a:p>
         </p:txBody>
@@ -20740,10 +20739,9 @@
           </a:bodyPr>
           <a:lstStyle/>
           <a:p>
-            <a:pPr/>
             <a:r>
               <a:rPr lang="fr-FR" sz="900" dirty="0"/>
-              <a:t>Jeu de validation</a:t>
+              <a:t>Jeu d’entrainement</a:t>
             </a:r>
           </a:p>
         </p:txBody>
